--- a/Documents/SC_pitch.pptx
+++ b/Documents/SC_pitch.pptx
@@ -28,8 +28,8 @@
     <p:sldId id="273" r:id="rId19"/>
     <p:sldId id="286" r:id="rId20"/>
     <p:sldId id="280" r:id="rId21"/>
-    <p:sldId id="287" r:id="rId22"/>
-    <p:sldId id="288" r:id="rId23"/>
+    <p:sldId id="288" r:id="rId22"/>
+    <p:sldId id="287" r:id="rId23"/>
   </p:sldIdLst>
   <p:sldSz cx="12192000" cy="6858000"/>
   <p:notesSz cx="6858000" cy="9144000"/>
@@ -10707,7 +10707,7 @@
           <p:cNvPr id="2" name="Fußzeilenplatzhalter 1">
             <a:extLst>
               <a:ext uri="{FF2B5EF4-FFF2-40B4-BE49-F238E27FC236}">
-                <a16:creationId xmlns:a16="http://schemas.microsoft.com/office/drawing/2014/main" id="{2672F121-E704-A679-0804-08DCC72190EA}"/>
+                <a16:creationId xmlns:a16="http://schemas.microsoft.com/office/drawing/2014/main" id="{E14ABA1D-B0CA-7207-4DC5-FFD07B1A39AD}"/>
               </a:ext>
             </a:extLst>
           </p:cNvPr>
@@ -10733,18 +10733,18 @@
       </p:sp>
       <p:sp>
         <p:nvSpPr>
-          <p:cNvPr id="3" name="Textplatzhalter 2">
-            <a:extLst>
-              <a:ext uri="{FF2B5EF4-FFF2-40B4-BE49-F238E27FC236}">
-                <a16:creationId xmlns:a16="http://schemas.microsoft.com/office/drawing/2014/main" id="{3C0DB45F-AC77-980E-426F-1552A331C571}"/>
-              </a:ext>
-            </a:extLst>
-          </p:cNvPr>
-          <p:cNvSpPr>
-            <a:spLocks noGrp="1"/>
-          </p:cNvSpPr>
-          <p:nvPr>
-            <p:ph type="body" sz="quarter" idx="17"/>
+          <p:cNvPr id="4" name="Inhaltsplatzhalter 3">
+            <a:extLst>
+              <a:ext uri="{FF2B5EF4-FFF2-40B4-BE49-F238E27FC236}">
+                <a16:creationId xmlns:a16="http://schemas.microsoft.com/office/drawing/2014/main" id="{C9AD4ED3-E11F-8235-D4DF-809B5C9B68A2}"/>
+              </a:ext>
+            </a:extLst>
+          </p:cNvPr>
+          <p:cNvSpPr>
+            <a:spLocks noGrp="1"/>
+          </p:cNvSpPr>
+          <p:nvPr>
+            <p:ph idx="1"/>
           </p:nvPr>
         </p:nvSpPr>
         <p:spPr/>
@@ -10752,24 +10752,232 @@
           <a:bodyPr/>
           <a:lstStyle/>
           <a:p>
-            <a:endParaRPr lang="de-DE"/>
-          </a:p>
-        </p:txBody>
-      </p:sp>
-      <p:sp>
-        <p:nvSpPr>
-          <p:cNvPr id="4" name="Inhaltsplatzhalter 3">
-            <a:extLst>
-              <a:ext uri="{FF2B5EF4-FFF2-40B4-BE49-F238E27FC236}">
-                <a16:creationId xmlns:a16="http://schemas.microsoft.com/office/drawing/2014/main" id="{9E41A2DB-B0FB-968E-BDB3-DC66F1BEEC5B}"/>
-              </a:ext>
-            </a:extLst>
-          </p:cNvPr>
-          <p:cNvSpPr>
-            <a:spLocks noGrp="1"/>
-          </p:cNvSpPr>
-          <p:nvPr>
-            <p:ph idx="1"/>
+            <a:pPr marL="342900" indent="-342900">
+              <a:buFont typeface="Wingdings" panose="05000000000000000000" pitchFamily="2" charset="2"/>
+              <a:buChar char="§"/>
+            </a:pPr>
+            <a:r>
+              <a:rPr lang="en-US" sz="1400" b="1" dirty="0"/>
+              <a:t>Regularization</a:t>
+            </a:r>
+            <a:br>
+              <a:rPr lang="en-US" sz="1400" dirty="0"/>
+            </a:br>
+            <a:r>
+              <a:rPr lang="en-US" sz="1400" dirty="0"/>
+              <a:t>- Could penalize distance to SC-estimate (calibration), Time-Series cross validation to obtain optimal parameter value</a:t>
+            </a:r>
+            <a:br>
+              <a:rPr lang="en-US" sz="1400" dirty="0"/>
+            </a:br>
+            <a:r>
+              <a:rPr lang="en-US" sz="1400" dirty="0"/>
+              <a:t>- Could also directly penalize for deviations from specific model (VAR, Factor, …)</a:t>
+            </a:r>
+          </a:p>
+          <a:p>
+            <a:pPr marL="342900" indent="-342900">
+              <a:buFont typeface="Wingdings" panose="05000000000000000000" pitchFamily="2" charset="2"/>
+              <a:buChar char="§"/>
+            </a:pPr>
+            <a:r>
+              <a:rPr lang="en-US" sz="1400" b="1" dirty="0"/>
+              <a:t>Data structure:</a:t>
+            </a:r>
+            <a:br>
+              <a:rPr lang="en-US" sz="1400" b="1" dirty="0"/>
+            </a:br>
+            <a:r>
+              <a:rPr lang="en-US" sz="1400" dirty="0"/>
+              <a:t>- Case with covariates needed? Harvey and Thiele (2019) omit covariates.</a:t>
+            </a:r>
+            <a:br>
+              <a:rPr lang="en-US" sz="1400" dirty="0"/>
+            </a:br>
+            <a:r>
+              <a:rPr lang="en-US" sz="1400" dirty="0"/>
+              <a:t>- Relationship between N and T</a:t>
+            </a:r>
+            <a:br>
+              <a:rPr lang="en-US" sz="1400" dirty="0"/>
+            </a:br>
+            <a:r>
+              <a:rPr lang="en-US" sz="1400" dirty="0"/>
+              <a:t>- Small sample properties in context of SC important </a:t>
+            </a:r>
+            <a:r>
+              <a:rPr lang="en-US" sz="1400" dirty="0">
+                <a:sym typeface="Wingdings" panose="05000000000000000000" pitchFamily="2" charset="2"/>
+              </a:rPr>
+              <a:t> </a:t>
+            </a:r>
+            <a:r>
+              <a:rPr lang="en-US" sz="1400" dirty="0"/>
+              <a:t>Harvey and Thiele (2019)</a:t>
+            </a:r>
+            <a:br>
+              <a:rPr lang="en-US" sz="1400" dirty="0"/>
+            </a:br>
+            <a:r>
+              <a:rPr lang="en-US" sz="1400" dirty="0"/>
+              <a:t>- Highlight contextual requirements</a:t>
+            </a:r>
+          </a:p>
+          <a:p>
+            <a:pPr marL="342900" indent="-342900">
+              <a:buFont typeface="Wingdings" panose="05000000000000000000" pitchFamily="2" charset="2"/>
+              <a:buChar char="§"/>
+            </a:pPr>
+            <a:r>
+              <a:rPr lang="en-US" sz="1400" b="1" dirty="0"/>
+              <a:t>Inference: </a:t>
+            </a:r>
+            <a:br>
+              <a:rPr lang="en-US" sz="1400" dirty="0"/>
+            </a:br>
+            <a:r>
+              <a:rPr lang="en-US" sz="1400" dirty="0"/>
+              <a:t>- </a:t>
+            </a:r>
+            <a:r>
+              <a:rPr lang="en-US" sz="1400" dirty="0" err="1"/>
+              <a:t>Chernozhukov</a:t>
+            </a:r>
+            <a:r>
+              <a:rPr lang="en-US" sz="1400" dirty="0"/>
+              <a:t>, Hanh and Chi (2017)</a:t>
+            </a:r>
+            <a:br>
+              <a:rPr lang="en-US" sz="1400" dirty="0"/>
+            </a:br>
+            <a:r>
+              <a:rPr lang="en-US" sz="1400" dirty="0"/>
+              <a:t>- Structural breaks, Andrews’ end of sample test (2003)</a:t>
+            </a:r>
+            <a:br>
+              <a:rPr lang="en-US" sz="1400" dirty="0"/>
+            </a:br>
+            <a:r>
+              <a:rPr lang="en-US" sz="1400" dirty="0"/>
+              <a:t>- parameter significance</a:t>
+            </a:r>
+            <a:br>
+              <a:rPr lang="en-US" sz="1400" dirty="0"/>
+            </a:br>
+            <a:r>
+              <a:rPr lang="en-US" sz="1400" dirty="0"/>
+              <a:t>- permutation</a:t>
+            </a:r>
+            <a:br>
+              <a:rPr lang="en-US" sz="1400" dirty="0"/>
+            </a:br>
+            <a:r>
+              <a:rPr lang="en-US" sz="1400" dirty="0"/>
+              <a:t>- placebo</a:t>
+            </a:r>
+            <a:br>
+              <a:rPr lang="en-US" sz="1400" dirty="0"/>
+            </a:br>
+            <a:r>
+              <a:rPr lang="en-US" sz="1400" dirty="0"/>
+              <a:t>- should be able to show unbiasedness/consistency of own estimator </a:t>
+            </a:r>
+            <a:r>
+              <a:rPr lang="en-US" sz="1400" dirty="0">
+                <a:sym typeface="Wingdings" panose="05000000000000000000" pitchFamily="2" charset="2"/>
+              </a:rPr>
+              <a:t> proof</a:t>
+            </a:r>
+            <a:endParaRPr lang="en-US" sz="1400" dirty="0"/>
+          </a:p>
+          <a:p>
+            <a:pPr marL="342900" indent="-342900">
+              <a:buFont typeface="Wingdings" panose="05000000000000000000" pitchFamily="2" charset="2"/>
+              <a:buChar char="§"/>
+            </a:pPr>
+            <a:r>
+              <a:rPr lang="en-US" sz="1400" b="1" dirty="0"/>
+              <a:t>Simulate SC the right way</a:t>
+            </a:r>
+            <a:br>
+              <a:rPr lang="en-US" sz="1400" dirty="0"/>
+            </a:br>
+            <a:r>
+              <a:rPr lang="en-US" sz="1400" dirty="0"/>
+              <a:t>- Factor model: </a:t>
+            </a:r>
+            <a:r>
+              <a:rPr lang="en-US" sz="1400" dirty="0" err="1"/>
+              <a:t>Ferman</a:t>
+            </a:r>
+            <a:r>
+              <a:rPr lang="en-US" sz="1400" dirty="0"/>
+              <a:t> (2021), also addressed in Abadie er al. (2010)</a:t>
+            </a:r>
+            <a:br>
+              <a:rPr lang="en-US" sz="1400" dirty="0"/>
+            </a:br>
+            <a:r>
+              <a:rPr lang="en-US" sz="1400" dirty="0"/>
+              <a:t>- AR: Abadie et al. (2010), Ben-Michael (2021a)</a:t>
+            </a:r>
+            <a:endParaRPr lang="en-US" sz="1200" dirty="0"/>
+          </a:p>
+          <a:p>
+            <a:pPr marL="342900" indent="-342900">
+              <a:buFont typeface="Wingdings" panose="05000000000000000000" pitchFamily="2" charset="2"/>
+              <a:buChar char="§"/>
+            </a:pPr>
+            <a:r>
+              <a:rPr lang="en-US" sz="1400" b="1" dirty="0"/>
+              <a:t>Develop/ find statistic that approximates </a:t>
+            </a:r>
+            <a:r>
+              <a:rPr lang="en-US" sz="1400" b="1" dirty="0" err="1"/>
+              <a:t>VAR_share</a:t>
+            </a:r>
+            <a:endParaRPr lang="en-US" sz="1400" b="1" dirty="0"/>
+          </a:p>
+          <a:p>
+            <a:endParaRPr lang="en-US" dirty="0"/>
+          </a:p>
+          <a:p>
+            <a:endParaRPr lang="en-US" dirty="0"/>
+          </a:p>
+          <a:p>
+            <a:r>
+              <a:rPr lang="en-US" dirty="0"/>
+              <a:t> </a:t>
+            </a:r>
+          </a:p>
+          <a:p>
+            <a:endParaRPr lang="en-US" dirty="0"/>
+          </a:p>
+          <a:p>
+            <a:endParaRPr lang="en-US" dirty="0"/>
+          </a:p>
+          <a:p>
+            <a:endParaRPr lang="en-US" dirty="0"/>
+          </a:p>
+          <a:p>
+            <a:endParaRPr lang="en-US" dirty="0"/>
+          </a:p>
+        </p:txBody>
+      </p:sp>
+      <p:sp>
+        <p:nvSpPr>
+          <p:cNvPr id="5" name="Textplatzhalter 4">
+            <a:extLst>
+              <a:ext uri="{FF2B5EF4-FFF2-40B4-BE49-F238E27FC236}">
+                <a16:creationId xmlns:a16="http://schemas.microsoft.com/office/drawing/2014/main" id="{3C540DDF-A006-0896-DC04-46272B09DCD5}"/>
+              </a:ext>
+            </a:extLst>
+          </p:cNvPr>
+          <p:cNvSpPr>
+            <a:spLocks noGrp="1"/>
+          </p:cNvSpPr>
+          <p:nvPr>
+            <p:ph type="body" sz="quarter" idx="13"/>
           </p:nvPr>
         </p:nvSpPr>
         <p:spPr/>
@@ -10777,16 +10985,34 @@
           <a:bodyPr/>
           <a:lstStyle/>
           <a:p>
+            <a:endParaRPr lang="de-DE"/>
+          </a:p>
+        </p:txBody>
+      </p:sp>
+      <p:sp>
+        <p:nvSpPr>
+          <p:cNvPr id="6" name="Titel 5">
+            <a:extLst>
+              <a:ext uri="{FF2B5EF4-FFF2-40B4-BE49-F238E27FC236}">
+                <a16:creationId xmlns:a16="http://schemas.microsoft.com/office/drawing/2014/main" id="{A7180CC3-7108-9A77-775E-7FB181195195}"/>
+              </a:ext>
+            </a:extLst>
+          </p:cNvPr>
+          <p:cNvSpPr>
+            <a:spLocks noGrp="1"/>
+          </p:cNvSpPr>
+          <p:nvPr>
+            <p:ph type="title"/>
+          </p:nvPr>
+        </p:nvSpPr>
+        <p:spPr/>
+        <p:txBody>
+          <a:bodyPr/>
+          <a:lstStyle/>
+          <a:p>
             <a:r>
               <a:rPr lang="de-DE" dirty="0" err="1"/>
-              <a:t>Introduction</a:t>
-            </a:r>
-            <a:endParaRPr lang="de-DE" dirty="0"/>
-          </a:p>
-          <a:p>
-            <a:r>
-              <a:rPr lang="de-DE" dirty="0" err="1"/>
-              <a:t>Methodological</a:t>
+              <a:t>Aspects</a:t>
             </a:r>
             <a:r>
               <a:rPr lang="de-DE" dirty="0"/>
@@ -10794,7 +11020,7 @@
             </a:r>
             <a:r>
               <a:rPr lang="de-DE" dirty="0" err="1"/>
-              <a:t>Overview</a:t>
+              <a:t>to</a:t>
             </a:r>
             <a:r>
               <a:rPr lang="de-DE" dirty="0"/>
@@ -10802,145 +11028,7 @@
             </a:r>
             <a:r>
               <a:rPr lang="de-DE" dirty="0" err="1"/>
-              <a:t>Synthetic</a:t>
-            </a:r>
-            <a:r>
-              <a:rPr lang="de-DE" dirty="0"/>
-              <a:t> Controls</a:t>
-            </a:r>
-          </a:p>
-          <a:p>
-            <a:r>
-              <a:rPr lang="de-DE" dirty="0" err="1"/>
-              <a:t>Introducing</a:t>
-            </a:r>
-            <a:r>
-              <a:rPr lang="de-DE" dirty="0"/>
-              <a:t> </a:t>
-            </a:r>
-            <a:r>
-              <a:rPr lang="de-DE" dirty="0" err="1"/>
-              <a:t>the</a:t>
-            </a:r>
-            <a:r>
-              <a:rPr lang="de-DE" dirty="0"/>
-              <a:t> VAR_SC-</a:t>
-            </a:r>
-            <a:r>
-              <a:rPr lang="de-DE" dirty="0" err="1"/>
-              <a:t>Estimator</a:t>
-            </a:r>
-            <a:endParaRPr lang="de-DE" dirty="0"/>
-          </a:p>
-          <a:p>
-            <a:r>
-              <a:rPr lang="de-DE" dirty="0"/>
-              <a:t>Simulation Study</a:t>
-            </a:r>
-          </a:p>
-          <a:p>
-            <a:r>
-              <a:rPr lang="de-DE" dirty="0" err="1"/>
-              <a:t>Application</a:t>
-            </a:r>
-            <a:r>
-              <a:rPr lang="de-DE" dirty="0"/>
-              <a:t> </a:t>
-            </a:r>
-            <a:r>
-              <a:rPr lang="de-DE" dirty="0" err="1"/>
-              <a:t>to</a:t>
-            </a:r>
-            <a:r>
-              <a:rPr lang="de-DE" dirty="0"/>
-              <a:t> </a:t>
-            </a:r>
-            <a:r>
-              <a:rPr lang="de-DE" dirty="0" err="1"/>
-              <a:t>existing</a:t>
-            </a:r>
-            <a:r>
-              <a:rPr lang="de-DE" dirty="0"/>
-              <a:t> </a:t>
-            </a:r>
-            <a:r>
-              <a:rPr lang="de-DE" dirty="0" err="1"/>
-              <a:t>Examples</a:t>
-            </a:r>
-            <a:endParaRPr lang="de-DE" dirty="0"/>
-          </a:p>
-          <a:p>
-            <a:r>
-              <a:rPr lang="de-DE" dirty="0"/>
-              <a:t>Own </a:t>
-            </a:r>
-            <a:r>
-              <a:rPr lang="de-DE" dirty="0" err="1"/>
-              <a:t>Example</a:t>
-            </a:r>
-            <a:endParaRPr lang="de-DE" dirty="0"/>
-          </a:p>
-          <a:p>
-            <a:endParaRPr lang="de-DE" dirty="0"/>
-          </a:p>
-          <a:p>
-            <a:endParaRPr lang="de-DE" dirty="0"/>
-          </a:p>
-        </p:txBody>
-      </p:sp>
-      <p:sp>
-        <p:nvSpPr>
-          <p:cNvPr id="5" name="Textplatzhalter 4">
-            <a:extLst>
-              <a:ext uri="{FF2B5EF4-FFF2-40B4-BE49-F238E27FC236}">
-                <a16:creationId xmlns:a16="http://schemas.microsoft.com/office/drawing/2014/main" id="{A5D318A4-BB1F-F69A-63E8-DC6AC0EE0366}"/>
-              </a:ext>
-            </a:extLst>
-          </p:cNvPr>
-          <p:cNvSpPr>
-            <a:spLocks noGrp="1"/>
-          </p:cNvSpPr>
-          <p:nvPr>
-            <p:ph type="body" sz="quarter" idx="13"/>
-          </p:nvPr>
-        </p:nvSpPr>
-        <p:spPr/>
-        <p:txBody>
-          <a:bodyPr/>
-          <a:lstStyle/>
-          <a:p>
-            <a:endParaRPr lang="de-DE"/>
-          </a:p>
-        </p:txBody>
-      </p:sp>
-      <p:sp>
-        <p:nvSpPr>
-          <p:cNvPr id="6" name="Titel 5">
-            <a:extLst>
-              <a:ext uri="{FF2B5EF4-FFF2-40B4-BE49-F238E27FC236}">
-                <a16:creationId xmlns:a16="http://schemas.microsoft.com/office/drawing/2014/main" id="{24F41F66-465F-BDD0-9B11-E27179AF8A22}"/>
-              </a:ext>
-            </a:extLst>
-          </p:cNvPr>
-          <p:cNvSpPr>
-            <a:spLocks noGrp="1"/>
-          </p:cNvSpPr>
-          <p:nvPr>
-            <p:ph type="title"/>
-          </p:nvPr>
-        </p:nvSpPr>
-        <p:spPr/>
-        <p:txBody>
-          <a:bodyPr/>
-          <a:lstStyle/>
-          <a:p>
-            <a:r>
-              <a:rPr lang="de-DE" dirty="0"/>
-              <a:t>Potential </a:t>
-            </a:r>
-            <a:r>
-              <a:rPr lang="de-DE" dirty="0" err="1"/>
-              <a:t>Structure</a:t>
+              <a:t>consider</a:t>
             </a:r>
             <a:endParaRPr lang="de-DE" dirty="0"/>
           </a:p>
@@ -10949,7 +11037,7 @@
     </p:spTree>
     <p:extLst>
       <p:ext uri="{BB962C8B-B14F-4D97-AF65-F5344CB8AC3E}">
-        <p14:creationId xmlns:p14="http://schemas.microsoft.com/office/powerpoint/2010/main" val="922295277"/>
+        <p14:creationId xmlns:p14="http://schemas.microsoft.com/office/powerpoint/2010/main" val="983387194"/>
       </p:ext>
     </p:extLst>
   </p:cSld>
@@ -10981,7 +11069,7 @@
           <p:cNvPr id="2" name="Fußzeilenplatzhalter 1">
             <a:extLst>
               <a:ext uri="{FF2B5EF4-FFF2-40B4-BE49-F238E27FC236}">
-                <a16:creationId xmlns:a16="http://schemas.microsoft.com/office/drawing/2014/main" id="{E14ABA1D-B0CA-7207-4DC5-FFD07B1A39AD}"/>
+                <a16:creationId xmlns:a16="http://schemas.microsoft.com/office/drawing/2014/main" id="{2672F121-E704-A679-0804-08DCC72190EA}"/>
               </a:ext>
             </a:extLst>
           </p:cNvPr>
@@ -11010,7 +11098,7 @@
           <p:cNvPr id="3" name="Textplatzhalter 2">
             <a:extLst>
               <a:ext uri="{FF2B5EF4-FFF2-40B4-BE49-F238E27FC236}">
-                <a16:creationId xmlns:a16="http://schemas.microsoft.com/office/drawing/2014/main" id="{A04C57F4-75B2-4809-0078-CCF7B5811761}"/>
+                <a16:creationId xmlns:a16="http://schemas.microsoft.com/office/drawing/2014/main" id="{3C0DB45F-AC77-980E-426F-1552A331C571}"/>
               </a:ext>
             </a:extLst>
           </p:cNvPr>
@@ -11035,7 +11123,7 @@
           <p:cNvPr id="4" name="Inhaltsplatzhalter 3">
             <a:extLst>
               <a:ext uri="{FF2B5EF4-FFF2-40B4-BE49-F238E27FC236}">
-                <a16:creationId xmlns:a16="http://schemas.microsoft.com/office/drawing/2014/main" id="{C9AD4ED3-E11F-8235-D4DF-809B5C9B68A2}"/>
+                <a16:creationId xmlns:a16="http://schemas.microsoft.com/office/drawing/2014/main" id="{9E41A2DB-B0FB-968E-BDB3-DC66F1BEEC5B}"/>
               </a:ext>
             </a:extLst>
           </p:cNvPr>
@@ -11053,18 +11141,14 @@
           <a:p>
             <a:r>
               <a:rPr lang="de-DE" dirty="0" err="1"/>
-              <a:t>Regularization</a:t>
+              <a:t>Introduction</a:t>
             </a:r>
             <a:endParaRPr lang="de-DE" dirty="0"/>
           </a:p>
           <a:p>
             <a:r>
-              <a:rPr lang="de-DE" dirty="0"/>
-              <a:t>Case </a:t>
-            </a:r>
-            <a:r>
               <a:rPr lang="de-DE" dirty="0" err="1"/>
-              <a:t>with</a:t>
+              <a:t>Methodological</a:t>
             </a:r>
             <a:r>
               <a:rPr lang="de-DE" dirty="0"/>
@@ -11072,22 +11156,7 @@
             </a:r>
             <a:r>
               <a:rPr lang="de-DE" dirty="0" err="1"/>
-              <a:t>Covariates</a:t>
-            </a:r>
-            <a:endParaRPr lang="de-DE" dirty="0"/>
-          </a:p>
-          <a:p>
-            <a:r>
-              <a:rPr lang="de-DE" dirty="0" err="1"/>
-              <a:t>Testing</a:t>
-            </a:r>
-            <a:r>
-              <a:rPr lang="de-DE" dirty="0"/>
-              <a:t>: </a:t>
-            </a:r>
-            <a:r>
-              <a:rPr lang="de-DE" dirty="0" err="1"/>
-              <a:t>Structural</a:t>
+              <a:t>Overview</a:t>
             </a:r>
             <a:r>
               <a:rPr lang="de-DE" dirty="0"/>
@@ -11095,15 +11164,17 @@
             </a:r>
             <a:r>
               <a:rPr lang="de-DE" dirty="0" err="1"/>
-              <a:t>breaks</a:t>
+              <a:t>Synthetic</a:t>
             </a:r>
             <a:r>
               <a:rPr lang="de-DE" dirty="0"/>
-              <a:t>, </a:t>
-            </a:r>
+              <a:t> Controls</a:t>
+            </a:r>
+          </a:p>
+          <a:p>
             <a:r>
               <a:rPr lang="de-DE" dirty="0" err="1"/>
-              <a:t>parameter</a:t>
+              <a:t>Introducing</a:t>
             </a:r>
             <a:r>
               <a:rPr lang="de-DE" dirty="0"/>
@@ -11111,25 +11182,28 @@
             </a:r>
             <a:r>
               <a:rPr lang="de-DE" dirty="0" err="1"/>
-              <a:t>significance</a:t>
+              <a:t>the</a:t>
             </a:r>
             <a:r>
               <a:rPr lang="de-DE" dirty="0"/>
-              <a:t>, …</a:t>
-            </a:r>
-          </a:p>
-          <a:p>
+              <a:t> VAR_SC-</a:t>
+            </a:r>
             <a:r>
               <a:rPr lang="de-DE" dirty="0" err="1"/>
-              <a:t>Simulate</a:t>
-            </a:r>
+              <a:t>Estimator</a:t>
+            </a:r>
+            <a:endParaRPr lang="de-DE" dirty="0"/>
+          </a:p>
+          <a:p>
             <a:r>
               <a:rPr lang="de-DE" dirty="0"/>
-              <a:t> SC </a:t>
-            </a:r>
+              <a:t>Simulation Study</a:t>
+            </a:r>
+          </a:p>
+          <a:p>
             <a:r>
               <a:rPr lang="de-DE" dirty="0" err="1"/>
-              <a:t>the</a:t>
+              <a:t>Application</a:t>
             </a:r>
             <a:r>
               <a:rPr lang="de-DE" dirty="0"/>
@@ -11137,7 +11211,7 @@
             </a:r>
             <a:r>
               <a:rPr lang="de-DE" dirty="0" err="1"/>
-              <a:t>right</a:t>
+              <a:t>to</a:t>
             </a:r>
             <a:r>
               <a:rPr lang="de-DE" dirty="0"/>
@@ -11145,22 +11219,7 @@
             </a:r>
             <a:r>
               <a:rPr lang="de-DE" dirty="0" err="1"/>
-              <a:t>way</a:t>
-            </a:r>
-            <a:endParaRPr lang="de-DE" dirty="0"/>
-          </a:p>
-          <a:p>
-            <a:r>
-              <a:rPr lang="de-DE" dirty="0" err="1"/>
-              <a:t>Develop</a:t>
-            </a:r>
-            <a:r>
-              <a:rPr lang="de-DE" dirty="0"/>
-              <a:t>/ find </a:t>
-            </a:r>
-            <a:r>
-              <a:rPr lang="de-DE" dirty="0" err="1"/>
-              <a:t>statistic</a:t>
+              <a:t>existing</a:t>
             </a:r>
             <a:r>
               <a:rPr lang="de-DE" dirty="0"/>
@@ -11168,23 +11227,18 @@
             </a:r>
             <a:r>
               <a:rPr lang="de-DE" dirty="0" err="1"/>
-              <a:t>that</a:t>
-            </a:r>
+              <a:t>Examples</a:t>
+            </a:r>
+            <a:endParaRPr lang="de-DE" dirty="0"/>
+          </a:p>
+          <a:p>
             <a:r>
               <a:rPr lang="de-DE" dirty="0"/>
-              <a:t> </a:t>
+              <a:t>Own </a:t>
             </a:r>
             <a:r>
               <a:rPr lang="de-DE" dirty="0" err="1"/>
-              <a:t>approximates</a:t>
-            </a:r>
-            <a:r>
-              <a:rPr lang="de-DE" dirty="0"/>
-              <a:t> </a:t>
-            </a:r>
-            <a:r>
-              <a:rPr lang="de-DE" dirty="0" err="1"/>
-              <a:t>VAR_share</a:t>
+              <a:t>Example</a:t>
             </a:r>
             <a:endParaRPr lang="de-DE" dirty="0"/>
           </a:p>
@@ -11192,23 +11246,8 @@
             <a:endParaRPr lang="de-DE" dirty="0"/>
           </a:p>
           <a:p>
-            <a:r>
-              <a:rPr lang="de-DE" dirty="0"/>
-              <a:t> </a:t>
-            </a:r>
-          </a:p>
-          <a:p>
             <a:endParaRPr lang="de-DE" dirty="0"/>
           </a:p>
-          <a:p>
-            <a:endParaRPr lang="de-DE" dirty="0"/>
-          </a:p>
-          <a:p>
-            <a:endParaRPr lang="de-DE" dirty="0"/>
-          </a:p>
-          <a:p>
-            <a:endParaRPr lang="de-DE" dirty="0"/>
-          </a:p>
         </p:txBody>
       </p:sp>
       <p:sp>
@@ -11216,7 +11255,7 @@
           <p:cNvPr id="5" name="Textplatzhalter 4">
             <a:extLst>
               <a:ext uri="{FF2B5EF4-FFF2-40B4-BE49-F238E27FC236}">
-                <a16:creationId xmlns:a16="http://schemas.microsoft.com/office/drawing/2014/main" id="{3C540DDF-A006-0896-DC04-46272B09DCD5}"/>
+                <a16:creationId xmlns:a16="http://schemas.microsoft.com/office/drawing/2014/main" id="{A5D318A4-BB1F-F69A-63E8-DC6AC0EE0366}"/>
               </a:ext>
             </a:extLst>
           </p:cNvPr>
@@ -11241,7 +11280,7 @@
           <p:cNvPr id="6" name="Titel 5">
             <a:extLst>
               <a:ext uri="{FF2B5EF4-FFF2-40B4-BE49-F238E27FC236}">
-                <a16:creationId xmlns:a16="http://schemas.microsoft.com/office/drawing/2014/main" id="{A7180CC3-7108-9A77-775E-7FB181195195}"/>
+                <a16:creationId xmlns:a16="http://schemas.microsoft.com/office/drawing/2014/main" id="{24F41F66-465F-BDD0-9B11-E27179AF8A22}"/>
               </a:ext>
             </a:extLst>
           </p:cNvPr>
@@ -11258,24 +11297,12 @@
           <a:lstStyle/>
           <a:p>
             <a:r>
+              <a:rPr lang="de-DE" dirty="0"/>
+              <a:t>Potential </a:t>
+            </a:r>
+            <a:r>
               <a:rPr lang="de-DE" dirty="0" err="1"/>
-              <a:t>Aspects</a:t>
-            </a:r>
-            <a:r>
-              <a:rPr lang="de-DE" dirty="0"/>
-              <a:t> </a:t>
-            </a:r>
-            <a:r>
-              <a:rPr lang="de-DE" dirty="0" err="1"/>
-              <a:t>to</a:t>
-            </a:r>
-            <a:r>
-              <a:rPr lang="de-DE" dirty="0"/>
-              <a:t> </a:t>
-            </a:r>
-            <a:r>
-              <a:rPr lang="de-DE" dirty="0" err="1"/>
-              <a:t>consider</a:t>
+              <a:t>Structure</a:t>
             </a:r>
             <a:endParaRPr lang="de-DE" dirty="0"/>
           </a:p>
@@ -11284,7 +11311,7 @@
     </p:spTree>
     <p:extLst>
       <p:ext uri="{BB962C8B-B14F-4D97-AF65-F5344CB8AC3E}">
-        <p14:creationId xmlns:p14="http://schemas.microsoft.com/office/powerpoint/2010/main" val="983387194"/>
+        <p14:creationId xmlns:p14="http://schemas.microsoft.com/office/powerpoint/2010/main" val="922295277"/>
       </p:ext>
     </p:extLst>
   </p:cSld>
@@ -15063,15 +15090,6 @@
 </file>
 
 <file path=customXml/item2.xml><?xml version="1.0" encoding="utf-8"?>
-<?mso-contentType ?>
-<FormTemplates xmlns="http://schemas.microsoft.com/sharepoint/v3/contenttype/forms">
-  <Display>DocumentLibraryForm</Display>
-  <Edit>DocumentLibraryForm</Edit>
-  <New>DocumentLibraryForm</New>
-</FormTemplates>
-</file>
-
-<file path=customXml/item3.xml><?xml version="1.0" encoding="utf-8"?>
 <ct:contentTypeSchema xmlns:ct="http://schemas.microsoft.com/office/2006/metadata/contentType" xmlns:ma="http://schemas.microsoft.com/office/2006/metadata/properties/metaAttributes" ct:_="" ma:_="" ma:contentTypeName="Dokument" ma:contentTypeID="0x0101002FF7506D977129418A772DE869B28F2E" ma:contentTypeVersion="11" ma:contentTypeDescription="Ein neues Dokument erstellen." ma:contentTypeScope="" ma:versionID="5f6de3ba704a20f95f90a897c1cd7b2e">
   <xsd:schema xmlns:xsd="http://www.w3.org/2001/XMLSchema" xmlns:xs="http://www.w3.org/2001/XMLSchema" xmlns:p="http://schemas.microsoft.com/office/2006/metadata/properties" xmlns:ns2="6c576d71-64c4-4bed-841f-698835626de1" xmlns:ns3="0341f4de-d7da-49aa-9e39-6e943a5fa446" targetNamespace="http://schemas.microsoft.com/office/2006/metadata/properties" ma:root="true" ma:fieldsID="5a4ae21eb4db48f885647756da8bdc98" ns2:_="" ns3:_="">
     <xsd:import namespace="6c576d71-64c4-4bed-841f-698835626de1"/>
@@ -15282,6 +15300,15 @@
 </ct:contentTypeSchema>
 </file>
 
+<file path=customXml/item3.xml><?xml version="1.0" encoding="utf-8"?>
+<?mso-contentType ?>
+<FormTemplates xmlns="http://schemas.microsoft.com/sharepoint/v3/contenttype/forms">
+  <Display>DocumentLibraryForm</Display>
+  <Edit>DocumentLibraryForm</Edit>
+  <New>DocumentLibraryForm</New>
+</FormTemplates>
+</file>
+
 <file path=customXml/itemProps1.xml><?xml version="1.0" encoding="utf-8"?>
 <ds:datastoreItem xmlns:ds="http://schemas.openxmlformats.org/officeDocument/2006/customXml" ds:itemID="{25AF45CA-A69C-42EF-A6CC-1DA68205A3E3}">
   <ds:schemaRefs>
@@ -15300,14 +15327,6 @@
 </file>
 
 <file path=customXml/itemProps2.xml><?xml version="1.0" encoding="utf-8"?>
-<ds:datastoreItem xmlns:ds="http://schemas.openxmlformats.org/officeDocument/2006/customXml" ds:itemID="{E95A2C07-82C6-4BA4-8E4F-7A2B28903BDC}">
-  <ds:schemaRefs>
-    <ds:schemaRef ds:uri="http://schemas.microsoft.com/sharepoint/v3/contenttype/forms"/>
-  </ds:schemaRefs>
-</ds:datastoreItem>
-</file>
-
-<file path=customXml/itemProps3.xml><?xml version="1.0" encoding="utf-8"?>
 <ds:datastoreItem xmlns:ds="http://schemas.openxmlformats.org/officeDocument/2006/customXml" ds:itemID="{5E406275-C4C1-4C1C-BF52-B3A568E1E425}">
   <ds:schemaRefs>
     <ds:schemaRef ds:uri="http://schemas.microsoft.com/office/2006/metadata/contentType"/>
@@ -15324,4 +15343,12 @@
     <ds:schemaRef ds:uri="http://schemas.microsoft.com/internal/obd"/>
   </ds:schemaRefs>
 </ds:datastoreItem>
+</file>
+
+<file path=customXml/itemProps3.xml><?xml version="1.0" encoding="utf-8"?>
+<ds:datastoreItem xmlns:ds="http://schemas.openxmlformats.org/officeDocument/2006/customXml" ds:itemID="{E95A2C07-82C6-4BA4-8E4F-7A2B28903BDC}">
+  <ds:schemaRefs>
+    <ds:schemaRef ds:uri="http://schemas.microsoft.com/sharepoint/v3/contenttype/forms"/>
+  </ds:schemaRefs>
+</ds:datastoreItem>
 </file>
--- a/Documents/SC_pitch.pptx
+++ b/Documents/SC_pitch.pptx
@@ -5,10 +5,10 @@
     <p:sldMasterId id="2147483679" r:id="rId4"/>
   </p:sldMasterIdLst>
   <p:notesMasterIdLst>
-    <p:notesMasterId r:id="rId24"/>
+    <p:notesMasterId r:id="rId25"/>
   </p:notesMasterIdLst>
   <p:handoutMasterIdLst>
-    <p:handoutMasterId r:id="rId25"/>
+    <p:handoutMasterId r:id="rId26"/>
   </p:handoutMasterIdLst>
   <p:sldIdLst>
     <p:sldId id="262" r:id="rId5"/>
@@ -30,6 +30,7 @@
     <p:sldId id="280" r:id="rId21"/>
     <p:sldId id="288" r:id="rId22"/>
     <p:sldId id="287" r:id="rId23"/>
+    <p:sldId id="289" r:id="rId24"/>
   </p:sldIdLst>
   <p:sldSz cx="12192000" cy="6858000"/>
   <p:notesSz cx="6858000" cy="9144000"/>
@@ -233,7 +234,7 @@
           <a:p>
             <a:fld id="{0D0BC2D3-C2A7-47C3-90FD-EBB22447478D}" type="datetimeFigureOut">
               <a:rPr lang="de-DE" smtClean="0"/>
-              <a:t>12.01.2023</a:t>
+              <a:t>13.01.2023</a:t>
             </a:fld>
             <a:endParaRPr lang="de-DE"/>
           </a:p>
@@ -451,7 +452,7 @@
           <a:p>
             <a:fld id="{6C0C46B0-EFD9-4439-A7DD-5A6E3D3A8873}" type="datetimeFigureOut">
               <a:rPr lang="de-DE" smtClean="0"/>
-              <a:t>12.01.2023</a:t>
+              <a:t>13.01.2023</a:t>
             </a:fld>
             <a:endParaRPr lang="de-DE"/>
           </a:p>
@@ -10183,7 +10184,7 @@
           <a:bodyPr/>
           <a:lstStyle/>
           <a:p>
-            <a:endParaRPr lang="en-US"/>
+            <a:endParaRPr lang="en-US" dirty="0"/>
           </a:p>
         </p:txBody>
       </p:sp>
@@ -10553,10 +10554,10 @@
           <a:lstStyle/>
           <a:p>
             <a:r>
-              <a:rPr lang="en-US"/>
+              <a:rPr lang="en-US" dirty="0"/>
               <a:t>Assessing the Limits of SC</a:t>
             </a:r>
-            <a:endParaRPr lang="de-DE"/>
+            <a:endParaRPr lang="de-DE" dirty="0"/>
           </a:p>
         </p:txBody>
       </p:sp>
@@ -10845,7 +10846,7 @@
             </a:r>
             <a:r>
               <a:rPr lang="en-US" sz="1400" dirty="0"/>
-              <a:t>, Hanh and Chi (2017)</a:t>
+              <a:t>, Hahn and Chi (2017)</a:t>
             </a:r>
             <a:br>
               <a:rPr lang="en-US" sz="1400" dirty="0"/>
@@ -11245,9 +11246,6 @@
           <a:p>
             <a:endParaRPr lang="de-DE" dirty="0"/>
           </a:p>
-          <a:p>
-            <a:endParaRPr lang="de-DE" dirty="0"/>
-          </a:p>
         </p:txBody>
       </p:sp>
       <p:sp>
@@ -11575,6 +11573,217 @@
     <p:extLst>
       <p:ext uri="{BB962C8B-B14F-4D97-AF65-F5344CB8AC3E}">
         <p14:creationId xmlns:p14="http://schemas.microsoft.com/office/powerpoint/2010/main" val="325819446"/>
+      </p:ext>
+    </p:extLst>
+  </p:cSld>
+  <p:clrMapOvr>
+    <a:masterClrMapping/>
+  </p:clrMapOvr>
+</p:sld>
+</file>
+
+<file path=ppt/slides/slide20.xml><?xml version="1.0" encoding="utf-8"?>
+<p:sld xmlns:a="http://schemas.openxmlformats.org/drawingml/2006/main" xmlns:r="http://schemas.openxmlformats.org/officeDocument/2006/relationships" xmlns:p="http://schemas.openxmlformats.org/presentationml/2006/main">
+  <p:cSld>
+    <p:spTree>
+      <p:nvGrpSpPr>
+        <p:cNvPr id="1" name=""/>
+        <p:cNvGrpSpPr/>
+        <p:nvPr/>
+      </p:nvGrpSpPr>
+      <p:grpSpPr>
+        <a:xfrm>
+          <a:off x="0" y="0"/>
+          <a:ext cx="0" cy="0"/>
+          <a:chOff x="0" y="0"/>
+          <a:chExt cx="0" cy="0"/>
+        </a:xfrm>
+      </p:grpSpPr>
+      <p:sp>
+        <p:nvSpPr>
+          <p:cNvPr id="2" name="Fußzeilenplatzhalter 1">
+            <a:extLst>
+              <a:ext uri="{FF2B5EF4-FFF2-40B4-BE49-F238E27FC236}">
+                <a16:creationId xmlns:a16="http://schemas.microsoft.com/office/drawing/2014/main" id="{4986C051-5F69-36ED-C8D4-75C9264BEC6E}"/>
+              </a:ext>
+            </a:extLst>
+          </p:cNvPr>
+          <p:cNvSpPr>
+            <a:spLocks noGrp="1"/>
+          </p:cNvSpPr>
+          <p:nvPr>
+            <p:ph type="ftr" sz="quarter" idx="18"/>
+          </p:nvPr>
+        </p:nvSpPr>
+        <p:spPr/>
+        <p:txBody>
+          <a:bodyPr/>
+          <a:lstStyle/>
+          <a:p>
+            <a:r>
+              <a:rPr lang="en-US"/>
+              <a:t>Assessing the Limits of SC</a:t>
+            </a:r>
+            <a:endParaRPr lang="de-DE"/>
+          </a:p>
+        </p:txBody>
+      </p:sp>
+      <p:sp>
+        <p:nvSpPr>
+          <p:cNvPr id="3" name="Textplatzhalter 2">
+            <a:extLst>
+              <a:ext uri="{FF2B5EF4-FFF2-40B4-BE49-F238E27FC236}">
+                <a16:creationId xmlns:a16="http://schemas.microsoft.com/office/drawing/2014/main" id="{B5ABF54A-54C3-B40B-BE61-275B6DEF4AE2}"/>
+              </a:ext>
+            </a:extLst>
+          </p:cNvPr>
+          <p:cNvSpPr>
+            <a:spLocks noGrp="1"/>
+          </p:cNvSpPr>
+          <p:nvPr>
+            <p:ph type="body" sz="quarter" idx="17"/>
+          </p:nvPr>
+        </p:nvSpPr>
+        <p:spPr/>
+        <p:txBody>
+          <a:bodyPr/>
+          <a:lstStyle/>
+          <a:p>
+            <a:endParaRPr lang="de-DE"/>
+          </a:p>
+        </p:txBody>
+      </p:sp>
+      <p:sp>
+        <p:nvSpPr>
+          <p:cNvPr id="4" name="Inhaltsplatzhalter 3">
+            <a:extLst>
+              <a:ext uri="{FF2B5EF4-FFF2-40B4-BE49-F238E27FC236}">
+                <a16:creationId xmlns:a16="http://schemas.microsoft.com/office/drawing/2014/main" id="{82BC5C88-BD00-02BC-0574-34B90AF2AD2F}"/>
+              </a:ext>
+            </a:extLst>
+          </p:cNvPr>
+          <p:cNvSpPr>
+            <a:spLocks noGrp="1"/>
+          </p:cNvSpPr>
+          <p:nvPr>
+            <p:ph idx="1"/>
+          </p:nvPr>
+        </p:nvSpPr>
+        <p:spPr>
+          <a:xfrm>
+            <a:off x="702000" y="1396050"/>
+            <a:ext cx="10801350" cy="4468256"/>
+          </a:xfrm>
+        </p:spPr>
+        <p:txBody>
+          <a:bodyPr/>
+          <a:lstStyle/>
+          <a:p>
+            <a:pPr marL="342900" indent="-342900">
+              <a:buFont typeface="Wingdings" panose="05000000000000000000" pitchFamily="2" charset="2"/>
+              <a:buChar char="§"/>
+            </a:pPr>
+            <a:r>
+              <a:rPr lang="de-DE" dirty="0"/>
+              <a:t>Simulation konzeptionell in Ordnung?</a:t>
+            </a:r>
+          </a:p>
+          <a:p>
+            <a:pPr marL="342900" indent="-342900">
+              <a:buFont typeface="Wingdings" panose="05000000000000000000" pitchFamily="2" charset="2"/>
+              <a:buChar char="§"/>
+            </a:pPr>
+            <a:r>
+              <a:rPr lang="de-DE" dirty="0"/>
+              <a:t>Weitere zu betrachtende Aspekte?</a:t>
+            </a:r>
+          </a:p>
+          <a:p>
+            <a:pPr marL="342900" indent="-342900">
+              <a:buFont typeface="Wingdings" panose="05000000000000000000" pitchFamily="2" charset="2"/>
+              <a:buChar char="§"/>
+            </a:pPr>
+            <a:r>
+              <a:rPr lang="de-DE" dirty="0"/>
+              <a:t>Struktur grundsätzlich ok?</a:t>
+            </a:r>
+          </a:p>
+          <a:p>
+            <a:pPr marL="342900" indent="-342900">
+              <a:buFont typeface="Wingdings" panose="05000000000000000000" pitchFamily="2" charset="2"/>
+              <a:buChar char="§"/>
+            </a:pPr>
+            <a:r>
+              <a:rPr lang="de-DE" dirty="0"/>
+              <a:t>Organisation: Zeitschiene, Veröffentlichung</a:t>
+            </a:r>
+          </a:p>
+          <a:p>
+            <a:pPr marL="342900" indent="-342900">
+              <a:buFont typeface="Wingdings" panose="05000000000000000000" pitchFamily="2" charset="2"/>
+              <a:buChar char="§"/>
+            </a:pPr>
+            <a:endParaRPr lang="de-DE" dirty="0"/>
+          </a:p>
+        </p:txBody>
+      </p:sp>
+      <p:sp>
+        <p:nvSpPr>
+          <p:cNvPr id="5" name="Textplatzhalter 4">
+            <a:extLst>
+              <a:ext uri="{FF2B5EF4-FFF2-40B4-BE49-F238E27FC236}">
+                <a16:creationId xmlns:a16="http://schemas.microsoft.com/office/drawing/2014/main" id="{08D2222E-A31D-DF1D-F9E2-3D33D7B048AD}"/>
+              </a:ext>
+            </a:extLst>
+          </p:cNvPr>
+          <p:cNvSpPr>
+            <a:spLocks noGrp="1"/>
+          </p:cNvSpPr>
+          <p:nvPr>
+            <p:ph type="body" sz="quarter" idx="13"/>
+          </p:nvPr>
+        </p:nvSpPr>
+        <p:spPr/>
+        <p:txBody>
+          <a:bodyPr/>
+          <a:lstStyle/>
+          <a:p>
+            <a:endParaRPr lang="de-DE"/>
+          </a:p>
+        </p:txBody>
+      </p:sp>
+      <p:sp>
+        <p:nvSpPr>
+          <p:cNvPr id="6" name="Titel 5">
+            <a:extLst>
+              <a:ext uri="{FF2B5EF4-FFF2-40B4-BE49-F238E27FC236}">
+                <a16:creationId xmlns:a16="http://schemas.microsoft.com/office/drawing/2014/main" id="{9728AF9F-B597-7E13-5741-2C39A017F99F}"/>
+              </a:ext>
+            </a:extLst>
+          </p:cNvPr>
+          <p:cNvSpPr>
+            <a:spLocks noGrp="1"/>
+          </p:cNvSpPr>
+          <p:nvPr>
+            <p:ph type="title"/>
+          </p:nvPr>
+        </p:nvSpPr>
+        <p:spPr/>
+        <p:txBody>
+          <a:bodyPr/>
+          <a:lstStyle/>
+          <a:p>
+            <a:r>
+              <a:rPr lang="de-DE" dirty="0"/>
+              <a:t>Offene Punkte</a:t>
+            </a:r>
+          </a:p>
+        </p:txBody>
+      </p:sp>
+    </p:spTree>
+    <p:extLst>
+      <p:ext uri="{BB962C8B-B14F-4D97-AF65-F5344CB8AC3E}">
+        <p14:creationId xmlns:p14="http://schemas.microsoft.com/office/powerpoint/2010/main" val="1961087308"/>
       </p:ext>
     </p:extLst>
   </p:cSld>
@@ -15090,6 +15299,15 @@
 </file>
 
 <file path=customXml/item2.xml><?xml version="1.0" encoding="utf-8"?>
+<?mso-contentType ?>
+<FormTemplates xmlns="http://schemas.microsoft.com/sharepoint/v3/contenttype/forms">
+  <Display>DocumentLibraryForm</Display>
+  <Edit>DocumentLibraryForm</Edit>
+  <New>DocumentLibraryForm</New>
+</FormTemplates>
+</file>
+
+<file path=customXml/item3.xml><?xml version="1.0" encoding="utf-8"?>
 <ct:contentTypeSchema xmlns:ct="http://schemas.microsoft.com/office/2006/metadata/contentType" xmlns:ma="http://schemas.microsoft.com/office/2006/metadata/properties/metaAttributes" ct:_="" ma:_="" ma:contentTypeName="Dokument" ma:contentTypeID="0x0101002FF7506D977129418A772DE869B28F2E" ma:contentTypeVersion="11" ma:contentTypeDescription="Ein neues Dokument erstellen." ma:contentTypeScope="" ma:versionID="5f6de3ba704a20f95f90a897c1cd7b2e">
   <xsd:schema xmlns:xsd="http://www.w3.org/2001/XMLSchema" xmlns:xs="http://www.w3.org/2001/XMLSchema" xmlns:p="http://schemas.microsoft.com/office/2006/metadata/properties" xmlns:ns2="6c576d71-64c4-4bed-841f-698835626de1" xmlns:ns3="0341f4de-d7da-49aa-9e39-6e943a5fa446" targetNamespace="http://schemas.microsoft.com/office/2006/metadata/properties" ma:root="true" ma:fieldsID="5a4ae21eb4db48f885647756da8bdc98" ns2:_="" ns3:_="">
     <xsd:import namespace="6c576d71-64c4-4bed-841f-698835626de1"/>
@@ -15300,15 +15518,6 @@
 </ct:contentTypeSchema>
 </file>
 
-<file path=customXml/item3.xml><?xml version="1.0" encoding="utf-8"?>
-<?mso-contentType ?>
-<FormTemplates xmlns="http://schemas.microsoft.com/sharepoint/v3/contenttype/forms">
-  <Display>DocumentLibraryForm</Display>
-  <Edit>DocumentLibraryForm</Edit>
-  <New>DocumentLibraryForm</New>
-</FormTemplates>
-</file>
-
 <file path=customXml/itemProps1.xml><?xml version="1.0" encoding="utf-8"?>
 <ds:datastoreItem xmlns:ds="http://schemas.openxmlformats.org/officeDocument/2006/customXml" ds:itemID="{25AF45CA-A69C-42EF-A6CC-1DA68205A3E3}">
   <ds:schemaRefs>
@@ -15327,6 +15536,14 @@
 </file>
 
 <file path=customXml/itemProps2.xml><?xml version="1.0" encoding="utf-8"?>
+<ds:datastoreItem xmlns:ds="http://schemas.openxmlformats.org/officeDocument/2006/customXml" ds:itemID="{E95A2C07-82C6-4BA4-8E4F-7A2B28903BDC}">
+  <ds:schemaRefs>
+    <ds:schemaRef ds:uri="http://schemas.microsoft.com/sharepoint/v3/contenttype/forms"/>
+  </ds:schemaRefs>
+</ds:datastoreItem>
+</file>
+
+<file path=customXml/itemProps3.xml><?xml version="1.0" encoding="utf-8"?>
 <ds:datastoreItem xmlns:ds="http://schemas.openxmlformats.org/officeDocument/2006/customXml" ds:itemID="{5E406275-C4C1-4C1C-BF52-B3A568E1E425}">
   <ds:schemaRefs>
     <ds:schemaRef ds:uri="http://schemas.microsoft.com/office/2006/metadata/contentType"/>
@@ -15343,12 +15560,4 @@
     <ds:schemaRef ds:uri="http://schemas.microsoft.com/internal/obd"/>
   </ds:schemaRefs>
 </ds:datastoreItem>
-</file>
-
-<file path=customXml/itemProps3.xml><?xml version="1.0" encoding="utf-8"?>
-<ds:datastoreItem xmlns:ds="http://schemas.openxmlformats.org/officeDocument/2006/customXml" ds:itemID="{E95A2C07-82C6-4BA4-8E4F-7A2B28903BDC}">
-  <ds:schemaRefs>
-    <ds:schemaRef ds:uri="http://schemas.microsoft.com/sharepoint/v3/contenttype/forms"/>
-  </ds:schemaRefs>
-</ds:datastoreItem>
 </file>